--- a/L01P03 - Smartlab IOT - Python 1/L01P03 - Eindtoets/L01P03C - Toets.pptx
+++ b/L01P03 - Smartlab IOT - Python 1/L01P03 - Eindtoets/L01P03C - Toets.pptx
@@ -899,7 +899,7 @@
           <a:p>
             <a:fld id="{25ED37B6-3D2B-42F6-B75F-7E9C925A2B78}" type="datetimeFigureOut">
               <a:rPr lang="nl-NL" smtClean="0"/>
-              <a:t>18-04-2023</a:t>
+              <a:t>19-4-2023</a:t>
             </a:fld>
             <a:endParaRPr lang="nl-NL"/>
           </a:p>
@@ -965,7 +965,7 @@
           <a:p>
             <a:fld id="{70D9F7AB-EA22-43B3-A547-9779962390FA}" type="slidenum">
               <a:rPr lang="nl-NL" smtClean="0"/>
-              <a:t>‹#›</a:t>
+              <a:t>‹nr.›</a:t>
             </a:fld>
             <a:endParaRPr lang="nl-NL"/>
           </a:p>
@@ -1064,7 +1064,7 @@
           <a:p>
             <a:fld id="{67D95C54-6F9B-4C49-BF56-4D62B2D71ED9}" type="datetimeFigureOut">
               <a:rPr lang="nl-NL" smtClean="0"/>
-              <a:t>18-04-2023</a:t>
+              <a:t>19-4-2023</a:t>
             </a:fld>
             <a:endParaRPr lang="nl-NL"/>
           </a:p>
@@ -1222,7 +1222,7 @@
           <a:p>
             <a:fld id="{03F426EE-4AAC-45A7-A5E5-372300C4F3E7}" type="slidenum">
               <a:rPr lang="nl-NL" smtClean="0"/>
-              <a:t>‹#›</a:t>
+              <a:t>‹nr.›</a:t>
             </a:fld>
             <a:endParaRPr lang="nl-NL"/>
           </a:p>
@@ -5375,6 +5375,10 @@
               <a:rPr lang="nl-NL" sz="8800" dirty="0"/>
               <a:t>Toets Herkansing</a:t>
             </a:r>
+            <a:r>
+              <a:rPr lang="nl-NL" dirty="0"/>
+              <a:t/>
+            </a:r>
             <a:br>
               <a:rPr lang="nl-NL" dirty="0"/>
             </a:br>
@@ -5425,6 +5429,13 @@
   <p:clrMapOvr>
     <a:masterClrMapping/>
   </p:clrMapOvr>
+  <p:timing>
+    <p:tnLst>
+      <p:par>
+        <p:cTn id="1" dur="indefinite" restart="never" nodeType="tmRoot"/>
+      </p:par>
+    </p:tnLst>
+  </p:timing>
 </p:sld>
 </file>
 
@@ -5488,7 +5499,7 @@
         <p:spPr>
           <a:xfrm>
             <a:off x="755161" y="3173170"/>
-            <a:ext cx="4379547" cy="2308324"/>
+            <a:ext cx="4379547" cy="1200329"/>
           </a:xfrm>
           <a:prstGeom prst="rect">
             <a:avLst/>
@@ -5521,40 +5532,28 @@
             </a:pPr>
             <a:r>
               <a:rPr lang="en-NL" dirty="0"/>
-              <a:t>Toegestaan: print, while, input, str, float, int, type, if</a:t>
-            </a:r>
-          </a:p>
-          <a:p>
-            <a:pPr marL="342900" indent="-342900">
-              <a:buAutoNum type="arabicPeriod"/>
-            </a:pPr>
-            <a:r>
-              <a:rPr lang="en-NL" dirty="0"/>
-              <a:t>Hoogte boom minimaal 3</a:t>
-            </a:r>
-          </a:p>
-          <a:p>
-            <a:pPr marL="342900" indent="-342900">
-              <a:buAutoNum type="arabicPeriod"/>
-            </a:pPr>
-            <a:r>
-              <a:rPr lang="en-NL" dirty="0"/>
-              <a:t>Hoogte van stam is constante van 2</a:t>
-            </a:r>
-          </a:p>
-          <a:p>
-            <a:pPr marL="342900" indent="-342900">
-              <a:buAutoNum type="arabicPeriod"/>
-            </a:pPr>
-            <a:r>
-              <a:rPr lang="en-NL" dirty="0"/>
-              <a:t>Breedte van de stam is constante 3</a:t>
-            </a:r>
-          </a:p>
-          <a:p>
-            <a:pPr marL="342900" indent="-342900">
-              <a:buAutoNum type="arabicPeriod"/>
-            </a:pPr>
+              <a:t>Toegestaan: print, while, input, str, float, int, type, </a:t>
+            </a:r>
+            <a:r>
+              <a:rPr lang="en-NL" dirty="0" smtClean="0"/>
+              <a:t>if</a:t>
+            </a:r>
+            <a:r>
+              <a:rPr lang="nl-NL" dirty="0" smtClean="0"/>
+              <a:t>, </a:t>
+            </a:r>
+            <a:r>
+              <a:rPr lang="nl-NL" dirty="0" err="1" smtClean="0"/>
+              <a:t>else</a:t>
+            </a:r>
+            <a:r>
+              <a:rPr lang="nl-NL" dirty="0" smtClean="0"/>
+              <a:t>, </a:t>
+            </a:r>
+            <a:r>
+              <a:rPr lang="nl-NL" dirty="0" err="1" smtClean="0"/>
+              <a:t>elif</a:t>
+            </a:r>
             <a:endParaRPr lang="en-NL" dirty="0"/>
           </a:p>
         </p:txBody>
@@ -5821,7 +5820,7 @@
           <p:nvPr/>
         </p:nvPicPr>
         <p:blipFill>
-          <a:blip r:embed="rId2">
+          <a:blip r:embed="rId2" cstate="hqprint">
             <a:extLst>
               <a:ext uri="{28A0092B-C50C-407E-A947-70E740481C1C}">
                 <a14:useLocalDpi xmlns:a14="http://schemas.microsoft.com/office/drawing/2010/main" val="0"/>
@@ -5934,6 +5933,20 @@
               <a:buNone/>
               <a:tabLst/>
             </a:pPr>
+            <a:r>
+              <a:rPr kumimoji="0" lang="nl-NL" altLang="en-NL" sz="1100" b="0" i="0" u="none" strike="noStrike" cap="none" normalizeH="0" baseline="0">
+                <a:ln>
+                  <a:noFill/>
+                </a:ln>
+                <a:solidFill>
+                  <a:schemeClr val="tx1"/>
+                </a:solidFill>
+                <a:effectLst/>
+                <a:latin typeface="Arial" panose="020B0604020202020204" pitchFamily="34" charset="0"/>
+                <a:ea typeface="Arial" panose="020B0604020202020204" pitchFamily="34" charset="0"/>
+              </a:rPr>
+              <a:t/>
+            </a:r>
             <a:br>
               <a:rPr kumimoji="0" lang="nl-NL" altLang="en-NL" sz="1100" b="0" i="0" u="none" strike="noStrike" cap="none" normalizeH="0" baseline="0">
                 <a:ln>
@@ -6033,6 +6046,13 @@
   <p:clrMapOvr>
     <a:masterClrMapping/>
   </p:clrMapOvr>
+  <p:timing>
+    <p:tnLst>
+      <p:par>
+        <p:cTn id="1" dur="indefinite" restart="never" nodeType="tmRoot"/>
+      </p:par>
+    </p:tnLst>
+  </p:timing>
 </p:sld>
 </file>
 
@@ -6120,6 +6140,13 @@
   <p:clrMapOvr>
     <a:masterClrMapping/>
   </p:clrMapOvr>
+  <p:timing>
+    <p:tnLst>
+      <p:par>
+        <p:cTn id="1" dur="indefinite" restart="never" nodeType="tmRoot"/>
+      </p:par>
+    </p:tnLst>
+  </p:timing>
 </p:sld>
 </file>
 
@@ -7236,21 +7263,6 @@
 </file>
 
 <file path=customXml/item1.xml><?xml version="1.0" encoding="utf-8"?>
-<?mso-contentType ?>
-<FormTemplates xmlns="http://schemas.microsoft.com/sharepoint/v3/contenttype/forms">
-  <Display>DocumentLibraryForm</Display>
-  <Edit>DocumentLibraryForm</Edit>
-  <New>DocumentLibraryForm</New>
-</FormTemplates>
-</file>
-
-<file path=customXml/item2.xml><?xml version="1.0" encoding="utf-8"?>
-<p:properties xmlns:p="http://schemas.microsoft.com/office/2006/metadata/properties" xmlns:xsi="http://www.w3.org/2001/XMLSchema-instance" xmlns:pc="http://schemas.microsoft.com/office/infopath/2007/PartnerControls">
-  <documentManagement/>
-</p:properties>
-</file>
-
-<file path=customXml/item3.xml><?xml version="1.0" encoding="utf-8"?>
 <ct:contentTypeSchema xmlns:ct="http://schemas.microsoft.com/office/2006/metadata/contentType" xmlns:ma="http://schemas.microsoft.com/office/2006/metadata/properties/metaAttributes" ct:_="" ma:_="" ma:contentTypeName="Document" ma:contentTypeID="0x0101004EE29C275B0330428D2BFA2C8D576F4B" ma:contentTypeVersion="0" ma:contentTypeDescription="Een nieuw document maken." ma:contentTypeScope="" ma:versionID="6f3e0ea117c09d99e40ae3b100a299dc">
   <xsd:schema xmlns:xsd="http://www.w3.org/2001/XMLSchema" xmlns:xs="http://www.w3.org/2001/XMLSchema" xmlns:p="http://schemas.microsoft.com/office/2006/metadata/properties" targetNamespace="http://schemas.microsoft.com/office/2006/metadata/properties" ma:root="true" ma:fieldsID="1978a156f712f99d6452530788f7ffe9">
     <xsd:element name="properties">
@@ -7364,10 +7376,33 @@
 </ct:contentTypeSchema>
 </file>
 
+<file path=customXml/item2.xml><?xml version="1.0" encoding="utf-8"?>
+<p:properties xmlns:p="http://schemas.microsoft.com/office/2006/metadata/properties" xmlns:xsi="http://www.w3.org/2001/XMLSchema-instance" xmlns:pc="http://schemas.microsoft.com/office/infopath/2007/PartnerControls">
+  <documentManagement/>
+</p:properties>
+</file>
+
+<file path=customXml/item3.xml><?xml version="1.0" encoding="utf-8"?>
+<?mso-contentType ?>
+<FormTemplates xmlns="http://schemas.microsoft.com/sharepoint/v3/contenttype/forms">
+  <Display>DocumentLibraryForm</Display>
+  <Edit>DocumentLibraryForm</Edit>
+  <New>DocumentLibraryForm</New>
+</FormTemplates>
+</file>
+
 <file path=customXml/itemProps1.xml><?xml version="1.0" encoding="utf-8"?>
-<ds:datastoreItem xmlns:ds="http://schemas.openxmlformats.org/officeDocument/2006/customXml" ds:itemID="{C58370CC-8AF3-4E85-911D-3C7AD1FAAE10}">
+<ds:datastoreItem xmlns:ds="http://schemas.openxmlformats.org/officeDocument/2006/customXml" ds:itemID="{7C812B3D-632E-45B1-BE3D-5F5FC6F96A1A}">
   <ds:schemaRefs>
-    <ds:schemaRef ds:uri="http://schemas.microsoft.com/sharepoint/v3/contenttype/forms"/>
+    <ds:schemaRef ds:uri="http://schemas.microsoft.com/office/2006/metadata/contentType"/>
+    <ds:schemaRef ds:uri="http://schemas.microsoft.com/office/2006/metadata/properties/metaAttributes"/>
+    <ds:schemaRef ds:uri="http://www.w3.org/2001/XMLSchema"/>
+    <ds:schemaRef ds:uri="http://schemas.microsoft.com/office/2006/metadata/properties"/>
+    <ds:schemaRef ds:uri="http://schemas.openxmlformats.org/package/2006/metadata/core-properties"/>
+    <ds:schemaRef ds:uri="http://purl.org/dc/elements/1.1/"/>
+    <ds:schemaRef ds:uri="http://purl.org/dc/terms/"/>
+    <ds:schemaRef ds:uri="http://schemas.microsoft.com/internal/obd"/>
+    <ds:schemaRef ds:uri="http://schemas.microsoft.com/office/infopath/2007/PartnerControls"/>
   </ds:schemaRefs>
 </ds:datastoreItem>
 </file>
@@ -7388,17 +7423,9 @@
 </file>
 
 <file path=customXml/itemProps3.xml><?xml version="1.0" encoding="utf-8"?>
-<ds:datastoreItem xmlns:ds="http://schemas.openxmlformats.org/officeDocument/2006/customXml" ds:itemID="{7C812B3D-632E-45B1-BE3D-5F5FC6F96A1A}">
+<ds:datastoreItem xmlns:ds="http://schemas.openxmlformats.org/officeDocument/2006/customXml" ds:itemID="{C58370CC-8AF3-4E85-911D-3C7AD1FAAE10}">
   <ds:schemaRefs>
-    <ds:schemaRef ds:uri="http://schemas.microsoft.com/office/2006/metadata/contentType"/>
-    <ds:schemaRef ds:uri="http://schemas.microsoft.com/office/2006/metadata/properties/metaAttributes"/>
-    <ds:schemaRef ds:uri="http://www.w3.org/2001/XMLSchema"/>
-    <ds:schemaRef ds:uri="http://schemas.microsoft.com/office/2006/metadata/properties"/>
-    <ds:schemaRef ds:uri="http://schemas.openxmlformats.org/package/2006/metadata/core-properties"/>
-    <ds:schemaRef ds:uri="http://purl.org/dc/elements/1.1/"/>
-    <ds:schemaRef ds:uri="http://purl.org/dc/terms/"/>
-    <ds:schemaRef ds:uri="http://schemas.microsoft.com/internal/obd"/>
-    <ds:schemaRef ds:uri="http://schemas.microsoft.com/office/infopath/2007/PartnerControls"/>
+    <ds:schemaRef ds:uri="http://schemas.microsoft.com/sharepoint/v3/contenttype/forms"/>
   </ds:schemaRefs>
 </ds:datastoreItem>
 </file>